--- a/Python_projet_slides.pptx
+++ b/Python_projet_slides.pptx
@@ -29,7 +29,7 @@
     <p:sldId id="284" r:id="rId20"/>
     <p:sldId id="285" r:id="rId21"/>
     <p:sldId id="286" r:id="rId22"/>
-    <p:sldId id="287" r:id="rId23"/>
+    <p:sldId id="295" r:id="rId23"/>
     <p:sldId id="288" r:id="rId24"/>
     <p:sldId id="289" r:id="rId25"/>
     <p:sldId id="292" r:id="rId26"/>
@@ -218,7 +218,7 @@
             <a:fld id="{C38EDAD3-C79B-429A-8D73-140954258F8E}" type="datetimeFigureOut">
               <a:rPr lang="en-US" smtClean="0"/>
               <a:pPr/>
-              <a:t>9/3/2024</a:t>
+              <a:t>9/6/2024</a:t>
             </a:fld>
             <a:endParaRPr lang="en-US"/>
           </a:p>
@@ -740,7 +740,7 @@
             <a:fld id="{A888EDFA-CE45-42F4-8E00-CE397EFDB79C}" type="datetimeFigureOut">
               <a:rPr lang="en-US" smtClean="0"/>
               <a:pPr/>
-              <a:t>9/3/2024</a:t>
+              <a:t>9/6/2024</a:t>
             </a:fld>
             <a:endParaRPr lang="en-US"/>
           </a:p>
@@ -907,7 +907,7 @@
             <a:fld id="{A888EDFA-CE45-42F4-8E00-CE397EFDB79C}" type="datetimeFigureOut">
               <a:rPr lang="en-US" smtClean="0"/>
               <a:pPr/>
-              <a:t>9/3/2024</a:t>
+              <a:t>9/6/2024</a:t>
             </a:fld>
             <a:endParaRPr lang="en-US"/>
           </a:p>
@@ -1084,7 +1084,7 @@
             <a:fld id="{A888EDFA-CE45-42F4-8E00-CE397EFDB79C}" type="datetimeFigureOut">
               <a:rPr lang="en-US" smtClean="0"/>
               <a:pPr/>
-              <a:t>9/3/2024</a:t>
+              <a:t>9/6/2024</a:t>
             </a:fld>
             <a:endParaRPr lang="en-US"/>
           </a:p>
@@ -1251,7 +1251,7 @@
             <a:fld id="{A888EDFA-CE45-42F4-8E00-CE397EFDB79C}" type="datetimeFigureOut">
               <a:rPr lang="en-US" smtClean="0"/>
               <a:pPr/>
-              <a:t>9/3/2024</a:t>
+              <a:t>9/6/2024</a:t>
             </a:fld>
             <a:endParaRPr lang="en-US"/>
           </a:p>
@@ -1495,7 +1495,7 @@
             <a:fld id="{A888EDFA-CE45-42F4-8E00-CE397EFDB79C}" type="datetimeFigureOut">
               <a:rPr lang="en-US" smtClean="0"/>
               <a:pPr/>
-              <a:t>9/3/2024</a:t>
+              <a:t>9/6/2024</a:t>
             </a:fld>
             <a:endParaRPr lang="en-US"/>
           </a:p>
@@ -1761,7 +1761,7 @@
             <a:fld id="{A888EDFA-CE45-42F4-8E00-CE397EFDB79C}" type="datetimeFigureOut">
               <a:rPr lang="en-US" smtClean="0"/>
               <a:pPr/>
-              <a:t>9/3/2024</a:t>
+              <a:t>9/6/2024</a:t>
             </a:fld>
             <a:endParaRPr lang="en-US"/>
           </a:p>
@@ -2141,7 +2141,7 @@
             <a:fld id="{A888EDFA-CE45-42F4-8E00-CE397EFDB79C}" type="datetimeFigureOut">
               <a:rPr lang="en-US" smtClean="0"/>
               <a:pPr/>
-              <a:t>9/3/2024</a:t>
+              <a:t>9/6/2024</a:t>
             </a:fld>
             <a:endParaRPr lang="en-US"/>
           </a:p>
@@ -2293,7 +2293,7 @@
             <a:fld id="{A888EDFA-CE45-42F4-8E00-CE397EFDB79C}" type="datetimeFigureOut">
               <a:rPr lang="en-US" smtClean="0"/>
               <a:pPr/>
-              <a:t>9/3/2024</a:t>
+              <a:t>9/6/2024</a:t>
             </a:fld>
             <a:endParaRPr lang="en-US"/>
           </a:p>
@@ -2385,7 +2385,7 @@
             <a:fld id="{A888EDFA-CE45-42F4-8E00-CE397EFDB79C}" type="datetimeFigureOut">
               <a:rPr lang="en-US" smtClean="0"/>
               <a:pPr/>
-              <a:t>9/3/2024</a:t>
+              <a:t>9/6/2024</a:t>
             </a:fld>
             <a:endParaRPr lang="en-US"/>
           </a:p>
@@ -2648,7 +2648,7 @@
             <a:fld id="{A888EDFA-CE45-42F4-8E00-CE397EFDB79C}" type="datetimeFigureOut">
               <a:rPr lang="en-US" smtClean="0"/>
               <a:pPr/>
-              <a:t>9/3/2024</a:t>
+              <a:t>9/6/2024</a:t>
             </a:fld>
             <a:endParaRPr lang="en-US"/>
           </a:p>
@@ -2938,7 +2938,7 @@
             <a:fld id="{A888EDFA-CE45-42F4-8E00-CE397EFDB79C}" type="datetimeFigureOut">
               <a:rPr lang="en-US" smtClean="0"/>
               <a:pPr/>
-              <a:t>9/3/2024</a:t>
+              <a:t>9/6/2024</a:t>
             </a:fld>
             <a:endParaRPr lang="en-US"/>
           </a:p>
@@ -3711,7 +3711,7 @@
             <a:fld id="{A888EDFA-CE45-42F4-8E00-CE397EFDB79C}" type="datetimeFigureOut">
               <a:rPr lang="en-US" smtClean="0"/>
               <a:pPr/>
-              <a:t>9/3/2024</a:t>
+              <a:t>9/6/2024</a:t>
             </a:fld>
             <a:endParaRPr lang="en-US"/>
           </a:p>
@@ -4785,7 +4785,6 @@
               <a:rPr lang="en-US" dirty="0" smtClean="0"/>
               <a:t>Differences in median salaries, spread, and potential outliers between genders.</a:t>
             </a:r>
-            <a:endParaRPr lang="en-US" dirty="0" smtClean="0"/>
           </a:p>
         </p:txBody>
       </p:sp>
@@ -5660,7 +5659,7 @@
       </p:grpSpPr>
       <p:pic>
         <p:nvPicPr>
-          <p:cNvPr id="41986" name="Picture 2" descr="C:\NYCDSA\Python Project\graphs\15.Salary Age Yrs.png"/>
+          <p:cNvPr id="1026" name="Picture 2" descr="C:\NYCDSA\Python Project\graphs\15.Salary Age Yrs.png"/>
           <p:cNvPicPr>
             <a:picLocks noGrp="1" noChangeAspect="1" noChangeArrowheads="1"/>
           </p:cNvPicPr>
@@ -5677,8 +5676,8 @@
         </p:blipFill>
         <p:spPr bwMode="auto">
           <a:xfrm>
-            <a:off x="457201" y="1219200"/>
-            <a:ext cx="5943600" cy="4572000"/>
+            <a:off x="533400" y="914400"/>
+            <a:ext cx="5785750" cy="4953000"/>
           </a:xfrm>
           <a:prstGeom prst="rect">
             <a:avLst/>
@@ -5694,8 +5693,8 @@
         </p:nvSpPr>
         <p:spPr>
           <a:xfrm>
-            <a:off x="6248400" y="1371600"/>
-            <a:ext cx="2667000" cy="1477328"/>
+            <a:off x="6477000" y="1447800"/>
+            <a:ext cx="2514600" cy="1477328"/>
           </a:xfrm>
           <a:prstGeom prst="rect">
             <a:avLst/>
@@ -5935,9 +5934,6 @@
               </a:rPr>
               <a:t> </a:t>
             </a:r>
-            <a:endParaRPr lang="en-US" sz="2400" dirty="0" smtClean="0">
-              <a:latin typeface="+mj-lt"/>
-            </a:endParaRPr>
           </a:p>
           <a:p>
             <a:pPr>
@@ -6586,23 +6582,7 @@
             <a:pPr lvl="0"/>
             <a:r>
               <a:rPr lang="en-US" dirty="0" smtClean="0"/>
-              <a:t>Which features are </a:t>
-            </a:r>
-            <a:r>
-              <a:rPr lang="en-US" dirty="0" smtClean="0"/>
-              <a:t> strongly associated </a:t>
-            </a:r>
-            <a:r>
-              <a:rPr lang="en-US" dirty="0" smtClean="0"/>
-              <a:t>with salary </a:t>
-            </a:r>
-            <a:r>
-              <a:rPr lang="en-US" dirty="0" smtClean="0"/>
-              <a:t>prediction</a:t>
-            </a:r>
-            <a:r>
-              <a:rPr lang="en-US" dirty="0" smtClean="0"/>
-              <a:t>?</a:t>
+              <a:t>Which features are  strongly associated with salary prediction?</a:t>
             </a:r>
           </a:p>
           <a:p>
@@ -7039,11 +7019,7 @@
             </a:pPr>
             <a:r>
               <a:rPr lang="en-US" dirty="0" smtClean="0"/>
-              <a:t>True Mean </a:t>
-            </a:r>
-            <a:r>
-              <a:rPr lang="en-US" dirty="0" smtClean="0"/>
-              <a:t>salary is $100,577.35</a:t>
+              <a:t>True Mean salary is $100,577.35</a:t>
             </a:r>
           </a:p>
           <a:p>

--- a/Python_projet_slides.pptx
+++ b/Python_projet_slides.pptx
@@ -218,7 +218,7 @@
             <a:fld id="{C38EDAD3-C79B-429A-8D73-140954258F8E}" type="datetimeFigureOut">
               <a:rPr lang="en-US" smtClean="0"/>
               <a:pPr/>
-              <a:t>9/6/2024</a:t>
+              <a:t>9/10/2024</a:t>
             </a:fld>
             <a:endParaRPr lang="en-US"/>
           </a:p>
@@ -740,7 +740,7 @@
             <a:fld id="{A888EDFA-CE45-42F4-8E00-CE397EFDB79C}" type="datetimeFigureOut">
               <a:rPr lang="en-US" smtClean="0"/>
               <a:pPr/>
-              <a:t>9/6/2024</a:t>
+              <a:t>9/10/2024</a:t>
             </a:fld>
             <a:endParaRPr lang="en-US"/>
           </a:p>
@@ -907,7 +907,7 @@
             <a:fld id="{A888EDFA-CE45-42F4-8E00-CE397EFDB79C}" type="datetimeFigureOut">
               <a:rPr lang="en-US" smtClean="0"/>
               <a:pPr/>
-              <a:t>9/6/2024</a:t>
+              <a:t>9/10/2024</a:t>
             </a:fld>
             <a:endParaRPr lang="en-US"/>
           </a:p>
@@ -1084,7 +1084,7 @@
             <a:fld id="{A888EDFA-CE45-42F4-8E00-CE397EFDB79C}" type="datetimeFigureOut">
               <a:rPr lang="en-US" smtClean="0"/>
               <a:pPr/>
-              <a:t>9/6/2024</a:t>
+              <a:t>9/10/2024</a:t>
             </a:fld>
             <a:endParaRPr lang="en-US"/>
           </a:p>
@@ -1251,7 +1251,7 @@
             <a:fld id="{A888EDFA-CE45-42F4-8E00-CE397EFDB79C}" type="datetimeFigureOut">
               <a:rPr lang="en-US" smtClean="0"/>
               <a:pPr/>
-              <a:t>9/6/2024</a:t>
+              <a:t>9/10/2024</a:t>
             </a:fld>
             <a:endParaRPr lang="en-US"/>
           </a:p>
@@ -1495,7 +1495,7 @@
             <a:fld id="{A888EDFA-CE45-42F4-8E00-CE397EFDB79C}" type="datetimeFigureOut">
               <a:rPr lang="en-US" smtClean="0"/>
               <a:pPr/>
-              <a:t>9/6/2024</a:t>
+              <a:t>9/10/2024</a:t>
             </a:fld>
             <a:endParaRPr lang="en-US"/>
           </a:p>
@@ -1761,7 +1761,7 @@
             <a:fld id="{A888EDFA-CE45-42F4-8E00-CE397EFDB79C}" type="datetimeFigureOut">
               <a:rPr lang="en-US" smtClean="0"/>
               <a:pPr/>
-              <a:t>9/6/2024</a:t>
+              <a:t>9/10/2024</a:t>
             </a:fld>
             <a:endParaRPr lang="en-US"/>
           </a:p>
@@ -2141,7 +2141,7 @@
             <a:fld id="{A888EDFA-CE45-42F4-8E00-CE397EFDB79C}" type="datetimeFigureOut">
               <a:rPr lang="en-US" smtClean="0"/>
               <a:pPr/>
-              <a:t>9/6/2024</a:t>
+              <a:t>9/10/2024</a:t>
             </a:fld>
             <a:endParaRPr lang="en-US"/>
           </a:p>
@@ -2293,7 +2293,7 @@
             <a:fld id="{A888EDFA-CE45-42F4-8E00-CE397EFDB79C}" type="datetimeFigureOut">
               <a:rPr lang="en-US" smtClean="0"/>
               <a:pPr/>
-              <a:t>9/6/2024</a:t>
+              <a:t>9/10/2024</a:t>
             </a:fld>
             <a:endParaRPr lang="en-US"/>
           </a:p>
@@ -2385,7 +2385,7 @@
             <a:fld id="{A888EDFA-CE45-42F4-8E00-CE397EFDB79C}" type="datetimeFigureOut">
               <a:rPr lang="en-US" smtClean="0"/>
               <a:pPr/>
-              <a:t>9/6/2024</a:t>
+              <a:t>9/10/2024</a:t>
             </a:fld>
             <a:endParaRPr lang="en-US"/>
           </a:p>
@@ -2648,7 +2648,7 @@
             <a:fld id="{A888EDFA-CE45-42F4-8E00-CE397EFDB79C}" type="datetimeFigureOut">
               <a:rPr lang="en-US" smtClean="0"/>
               <a:pPr/>
-              <a:t>9/6/2024</a:t>
+              <a:t>9/10/2024</a:t>
             </a:fld>
             <a:endParaRPr lang="en-US"/>
           </a:p>
@@ -2938,7 +2938,7 @@
             <a:fld id="{A888EDFA-CE45-42F4-8E00-CE397EFDB79C}" type="datetimeFigureOut">
               <a:rPr lang="en-US" smtClean="0"/>
               <a:pPr/>
-              <a:t>9/6/2024</a:t>
+              <a:t>9/10/2024</a:t>
             </a:fld>
             <a:endParaRPr lang="en-US"/>
           </a:p>
@@ -3711,7 +3711,7 @@
             <a:fld id="{A888EDFA-CE45-42F4-8E00-CE397EFDB79C}" type="datetimeFigureOut">
               <a:rPr lang="en-US" smtClean="0"/>
               <a:pPr/>
-              <a:t>9/6/2024</a:t>
+              <a:t>9/10/2024</a:t>
             </a:fld>
             <a:endParaRPr lang="en-US"/>
           </a:p>
@@ -7329,7 +7329,19 @@
             </a:pPr>
             <a:r>
               <a:rPr lang="en-US" dirty="0" smtClean="0"/>
-              <a:t>The combination of positive skewness and negative kurtosis means that while most data points are clustered towards the lower end of the experience spectrum, the distribution does not have extreme outliers as frequently as a normal distribution might.</a:t>
+              <a:t>The combination of positive skewness and negative kurtosis means that while most </a:t>
+            </a:r>
+            <a:r>
+              <a:rPr lang="en-US" dirty="0" smtClean="0"/>
+              <a:t>salaries</a:t>
+            </a:r>
+            <a:r>
+              <a:rPr lang="en-US" dirty="0" smtClean="0"/>
+              <a:t> </a:t>
+            </a:r>
+            <a:r>
+              <a:rPr lang="en-US" dirty="0" smtClean="0"/>
+              <a:t>are clustered towards the lower end of the experience spectrum, the distribution does not have extreme outliers as frequently as a normal distribution might.</a:t>
             </a:r>
           </a:p>
           <a:p>

--- a/Python_projet_slides.pptx
+++ b/Python_projet_slides.pptx
@@ -23,14 +23,14 @@
     <p:sldId id="294" r:id="rId14"/>
     <p:sldId id="282" r:id="rId15"/>
     <p:sldId id="283" r:id="rId16"/>
-    <p:sldId id="272" r:id="rId17"/>
+    <p:sldId id="296" r:id="rId17"/>
     <p:sldId id="274" r:id="rId18"/>
     <p:sldId id="275" r:id="rId19"/>
     <p:sldId id="284" r:id="rId20"/>
     <p:sldId id="285" r:id="rId21"/>
     <p:sldId id="286" r:id="rId22"/>
     <p:sldId id="295" r:id="rId23"/>
-    <p:sldId id="288" r:id="rId24"/>
+    <p:sldId id="297" r:id="rId24"/>
     <p:sldId id="289" r:id="rId25"/>
     <p:sldId id="292" r:id="rId26"/>
     <p:sldId id="293" r:id="rId27"/>
@@ -218,7 +218,7 @@
             <a:fld id="{C38EDAD3-C79B-429A-8D73-140954258F8E}" type="datetimeFigureOut">
               <a:rPr lang="en-US" smtClean="0"/>
               <a:pPr/>
-              <a:t>9/10/2024</a:t>
+              <a:t>9/11/2024</a:t>
             </a:fld>
             <a:endParaRPr lang="en-US"/>
           </a:p>
@@ -740,7 +740,7 @@
             <a:fld id="{A888EDFA-CE45-42F4-8E00-CE397EFDB79C}" type="datetimeFigureOut">
               <a:rPr lang="en-US" smtClean="0"/>
               <a:pPr/>
-              <a:t>9/10/2024</a:t>
+              <a:t>9/11/2024</a:t>
             </a:fld>
             <a:endParaRPr lang="en-US"/>
           </a:p>
@@ -907,7 +907,7 @@
             <a:fld id="{A888EDFA-CE45-42F4-8E00-CE397EFDB79C}" type="datetimeFigureOut">
               <a:rPr lang="en-US" smtClean="0"/>
               <a:pPr/>
-              <a:t>9/10/2024</a:t>
+              <a:t>9/11/2024</a:t>
             </a:fld>
             <a:endParaRPr lang="en-US"/>
           </a:p>
@@ -1084,7 +1084,7 @@
             <a:fld id="{A888EDFA-CE45-42F4-8E00-CE397EFDB79C}" type="datetimeFigureOut">
               <a:rPr lang="en-US" smtClean="0"/>
               <a:pPr/>
-              <a:t>9/10/2024</a:t>
+              <a:t>9/11/2024</a:t>
             </a:fld>
             <a:endParaRPr lang="en-US"/>
           </a:p>
@@ -1251,7 +1251,7 @@
             <a:fld id="{A888EDFA-CE45-42F4-8E00-CE397EFDB79C}" type="datetimeFigureOut">
               <a:rPr lang="en-US" smtClean="0"/>
               <a:pPr/>
-              <a:t>9/10/2024</a:t>
+              <a:t>9/11/2024</a:t>
             </a:fld>
             <a:endParaRPr lang="en-US"/>
           </a:p>
@@ -1495,7 +1495,7 @@
             <a:fld id="{A888EDFA-CE45-42F4-8E00-CE397EFDB79C}" type="datetimeFigureOut">
               <a:rPr lang="en-US" smtClean="0"/>
               <a:pPr/>
-              <a:t>9/10/2024</a:t>
+              <a:t>9/11/2024</a:t>
             </a:fld>
             <a:endParaRPr lang="en-US"/>
           </a:p>
@@ -1761,7 +1761,7 @@
             <a:fld id="{A888EDFA-CE45-42F4-8E00-CE397EFDB79C}" type="datetimeFigureOut">
               <a:rPr lang="en-US" smtClean="0"/>
               <a:pPr/>
-              <a:t>9/10/2024</a:t>
+              <a:t>9/11/2024</a:t>
             </a:fld>
             <a:endParaRPr lang="en-US"/>
           </a:p>
@@ -2141,7 +2141,7 @@
             <a:fld id="{A888EDFA-CE45-42F4-8E00-CE397EFDB79C}" type="datetimeFigureOut">
               <a:rPr lang="en-US" smtClean="0"/>
               <a:pPr/>
-              <a:t>9/10/2024</a:t>
+              <a:t>9/11/2024</a:t>
             </a:fld>
             <a:endParaRPr lang="en-US"/>
           </a:p>
@@ -2293,7 +2293,7 @@
             <a:fld id="{A888EDFA-CE45-42F4-8E00-CE397EFDB79C}" type="datetimeFigureOut">
               <a:rPr lang="en-US" smtClean="0"/>
               <a:pPr/>
-              <a:t>9/10/2024</a:t>
+              <a:t>9/11/2024</a:t>
             </a:fld>
             <a:endParaRPr lang="en-US"/>
           </a:p>
@@ -2385,7 +2385,7 @@
             <a:fld id="{A888EDFA-CE45-42F4-8E00-CE397EFDB79C}" type="datetimeFigureOut">
               <a:rPr lang="en-US" smtClean="0"/>
               <a:pPr/>
-              <a:t>9/10/2024</a:t>
+              <a:t>9/11/2024</a:t>
             </a:fld>
             <a:endParaRPr lang="en-US"/>
           </a:p>
@@ -2648,7 +2648,7 @@
             <a:fld id="{A888EDFA-CE45-42F4-8E00-CE397EFDB79C}" type="datetimeFigureOut">
               <a:rPr lang="en-US" smtClean="0"/>
               <a:pPr/>
-              <a:t>9/10/2024</a:t>
+              <a:t>9/11/2024</a:t>
             </a:fld>
             <a:endParaRPr lang="en-US"/>
           </a:p>
@@ -2938,7 +2938,7 @@
             <a:fld id="{A888EDFA-CE45-42F4-8E00-CE397EFDB79C}" type="datetimeFigureOut">
               <a:rPr lang="en-US" smtClean="0"/>
               <a:pPr/>
-              <a:t>9/10/2024</a:t>
+              <a:t>9/11/2024</a:t>
             </a:fld>
             <a:endParaRPr lang="en-US"/>
           </a:p>
@@ -3711,7 +3711,7 @@
             <a:fld id="{A888EDFA-CE45-42F4-8E00-CE397EFDB79C}" type="datetimeFigureOut">
               <a:rPr lang="en-US" smtClean="0"/>
               <a:pPr/>
-              <a:t>9/10/2024</a:t>
+              <a:t>9/11/2024</a:t>
             </a:fld>
             <a:endParaRPr lang="en-US"/>
           </a:p>
@@ -4424,6 +4424,13 @@
   <p:transition>
     <p:pull dir="d"/>
   </p:transition>
+  <p:timing>
+    <p:tnLst>
+      <p:par>
+        <p:cTn id="1" dur="indefinite" restart="never" nodeType="tmRoot"/>
+      </p:par>
+    </p:tnLst>
+  </p:timing>
 </p:sld>
 </file>
 
@@ -4510,6 +4517,13 @@
   <p:clrMapOvr>
     <a:masterClrMapping/>
   </p:clrMapOvr>
+  <p:timing>
+    <p:tnLst>
+      <p:par>
+        <p:cTn id="1" dur="indefinite" restart="never" nodeType="tmRoot"/>
+      </p:par>
+    </p:tnLst>
+  </p:timing>
 </p:sld>
 </file>
 
@@ -4596,6 +4610,13 @@
   <p:clrMapOvr>
     <a:masterClrMapping/>
   </p:clrMapOvr>
+  <p:timing>
+    <p:tnLst>
+      <p:par>
+        <p:cTn id="1" dur="indefinite" restart="never" nodeType="tmRoot"/>
+      </p:par>
+    </p:tnLst>
+  </p:timing>
 </p:sld>
 </file>
 
@@ -4695,6 +4716,13 @@
   <p:clrMapOvr>
     <a:masterClrMapping/>
   </p:clrMapOvr>
+  <p:timing>
+    <p:tnLst>
+      <p:par>
+        <p:cTn id="1" dur="indefinite" restart="never" nodeType="tmRoot"/>
+      </p:par>
+    </p:tnLst>
+  </p:timing>
 </p:sld>
 </file>
 
@@ -4793,6 +4821,13 @@
   <p:clrMapOvr>
     <a:masterClrMapping/>
   </p:clrMapOvr>
+  <p:timing>
+    <p:tnLst>
+      <p:par>
+        <p:cTn id="1" dur="indefinite" restart="never" nodeType="tmRoot"/>
+      </p:par>
+    </p:tnLst>
+  </p:timing>
 </p:sld>
 </file>
 
@@ -4879,6 +4914,13 @@
   <p:clrMapOvr>
     <a:masterClrMapping/>
   </p:clrMapOvr>
+  <p:timing>
+    <p:tnLst>
+      <p:par>
+        <p:cTn id="1" dur="indefinite" restart="never" nodeType="tmRoot"/>
+      </p:par>
+    </p:tnLst>
+  </p:timing>
 </p:sld>
 </file>
 
@@ -4965,6 +5007,13 @@
   <p:clrMapOvr>
     <a:masterClrMapping/>
   </p:clrMapOvr>
+  <p:timing>
+    <p:tnLst>
+      <p:par>
+        <p:cTn id="1" dur="indefinite" restart="never" nodeType="tmRoot"/>
+      </p:par>
+    </p:tnLst>
+  </p:timing>
 </p:sld>
 </file>
 
@@ -4987,7 +5036,7 @@
       </p:grpSpPr>
       <p:pic>
         <p:nvPicPr>
-          <p:cNvPr id="6146" name="Picture 2" descr="C:\NYCDSA\Python Project\graphs\8.Salary by Job Title.png"/>
+          <p:cNvPr id="1026" name="Picture 2" descr="C:\NYCDSA\Python Project\graphs\8.Salary by Job Title.png"/>
           <p:cNvPicPr>
             <a:picLocks noGrp="1" noChangeAspect="1" noChangeArrowheads="1"/>
           </p:cNvPicPr>
@@ -5004,8 +5053,8 @@
         </p:blipFill>
         <p:spPr bwMode="auto">
           <a:xfrm>
-            <a:off x="533400" y="1143000"/>
-            <a:ext cx="5791199" cy="4800599"/>
+            <a:off x="304801" y="990600"/>
+            <a:ext cx="6629400" cy="5334000"/>
           </a:xfrm>
           <a:prstGeom prst="rect">
             <a:avLst/>
@@ -5021,8 +5070,8 @@
         </p:nvSpPr>
         <p:spPr>
           <a:xfrm>
-            <a:off x="6477000" y="1371600"/>
-            <a:ext cx="2362200" cy="3139321"/>
+            <a:off x="6858000" y="1219200"/>
+            <a:ext cx="2057400" cy="4114800"/>
           </a:xfrm>
           <a:prstGeom prst="rect">
             <a:avLst/>
@@ -5180,6 +5229,13 @@
   <p:clrMapOvr>
     <a:masterClrMapping/>
   </p:clrMapOvr>
+  <p:timing>
+    <p:tnLst>
+      <p:par>
+        <p:cTn id="1" dur="indefinite" restart="never" nodeType="tmRoot"/>
+      </p:par>
+    </p:tnLst>
+  </p:timing>
 </p:sld>
 </file>
 
@@ -5218,7 +5274,7 @@
         <p:spPr bwMode="auto">
           <a:xfrm>
             <a:off x="152400" y="914400"/>
-            <a:ext cx="6019800" cy="5410200"/>
+            <a:ext cx="6553200" cy="5410200"/>
           </a:xfrm>
           <a:prstGeom prst="rect">
             <a:avLst/>
@@ -5234,8 +5290,8 @@
         </p:nvSpPr>
         <p:spPr>
           <a:xfrm>
-            <a:off x="6248400" y="1295400"/>
-            <a:ext cx="2514601" cy="1477328"/>
+            <a:off x="6781800" y="1295400"/>
+            <a:ext cx="2133600" cy="2031325"/>
           </a:xfrm>
           <a:prstGeom prst="rect">
             <a:avLst/>
@@ -5264,6 +5320,13 @@
   <p:clrMapOvr>
     <a:masterClrMapping/>
   </p:clrMapOvr>
+  <p:timing>
+    <p:tnLst>
+      <p:par>
+        <p:cTn id="1" dur="indefinite" restart="never" nodeType="tmRoot"/>
+      </p:par>
+    </p:tnLst>
+  </p:timing>
 </p:sld>
 </file>
 
@@ -5359,6 +5422,13 @@
   <p:clrMapOvr>
     <a:masterClrMapping/>
   </p:clrMapOvr>
+  <p:timing>
+    <p:tnLst>
+      <p:par>
+        <p:cTn id="1" dur="indefinite" restart="never" nodeType="tmRoot"/>
+      </p:par>
+    </p:tnLst>
+  </p:timing>
 </p:sld>
 </file>
 
@@ -5455,6 +5525,13 @@
   <p:transition>
     <p:wipe dir="r"/>
   </p:transition>
+  <p:timing>
+    <p:tnLst>
+      <p:par>
+        <p:cTn id="1" dur="indefinite" restart="never" nodeType="tmRoot"/>
+      </p:par>
+    </p:tnLst>
+  </p:timing>
 </p:sld>
 </file>
 
@@ -5541,6 +5618,13 @@
   <p:clrMapOvr>
     <a:masterClrMapping/>
   </p:clrMapOvr>
+  <p:timing>
+    <p:tnLst>
+      <p:par>
+        <p:cTn id="1" dur="indefinite" restart="never" nodeType="tmRoot"/>
+      </p:par>
+    </p:tnLst>
+  </p:timing>
 </p:sld>
 </file>
 
@@ -5637,6 +5721,13 @@
   <p:clrMapOvr>
     <a:masterClrMapping/>
   </p:clrMapOvr>
+  <p:timing>
+    <p:tnLst>
+      <p:par>
+        <p:cTn id="1" dur="indefinite" restart="never" nodeType="tmRoot"/>
+      </p:par>
+    </p:tnLst>
+  </p:timing>
 </p:sld>
 </file>
 
@@ -5723,6 +5814,13 @@
   <p:clrMapOvr>
     <a:masterClrMapping/>
   </p:clrMapOvr>
+  <p:timing>
+    <p:tnLst>
+      <p:par>
+        <p:cTn id="1" dur="indefinite" restart="never" nodeType="tmRoot"/>
+      </p:par>
+    </p:tnLst>
+  </p:timing>
 </p:sld>
 </file>
 
@@ -5745,7 +5843,7 @@
       </p:grpSpPr>
       <p:pic>
         <p:nvPicPr>
-          <p:cNvPr id="43010" name="Picture 2" descr="C:\NYCDSA\Python Project\graphs\16.YrsAgeSalry.png"/>
+          <p:cNvPr id="1026" name="Picture 2" descr="C:\NYCDSA\Python Project\graphs\16.YrsAgeSalry.png"/>
           <p:cNvPicPr>
             <a:picLocks noGrp="1" noChangeAspect="1" noChangeArrowheads="1"/>
           </p:cNvPicPr>
@@ -5762,8 +5860,8 @@
         </p:blipFill>
         <p:spPr bwMode="auto">
           <a:xfrm>
-            <a:off x="533400" y="1143000"/>
-            <a:ext cx="5486400" cy="5410200"/>
+            <a:off x="381001" y="914401"/>
+            <a:ext cx="5867399" cy="5181600"/>
           </a:xfrm>
           <a:prstGeom prst="rect">
             <a:avLst/>
@@ -5779,8 +5877,8 @@
         </p:nvSpPr>
         <p:spPr>
           <a:xfrm>
-            <a:off x="6172200" y="1219200"/>
-            <a:ext cx="2819400" cy="4524315"/>
+            <a:off x="6248400" y="1066800"/>
+            <a:ext cx="2743200" cy="4524315"/>
           </a:xfrm>
           <a:prstGeom prst="rect">
             <a:avLst/>
@@ -5829,9 +5927,6 @@
   <p:clrMapOvr>
     <a:masterClrMapping/>
   </p:clrMapOvr>
-  <p:transition>
-    <p:fade/>
-  </p:transition>
 </p:sld>
 </file>
 
@@ -5888,7 +5983,12 @@
             <p:ph idx="1"/>
           </p:nvPr>
         </p:nvSpPr>
-        <p:spPr/>
+        <p:spPr>
+          <a:xfrm>
+            <a:off x="457200" y="2209800"/>
+            <a:ext cx="8229600" cy="3657600"/>
+          </a:xfrm>
+        </p:spPr>
         <p:txBody>
           <a:bodyPr/>
           <a:lstStyle/>
@@ -5920,20 +6020,17 @@
               <a:rPr lang="en-US" sz="2400" dirty="0" smtClean="0">
                 <a:latin typeface="+mj-lt"/>
               </a:rPr>
-              <a:t>More Years of experience ,high education level and high job title imply high salary income. This means that all features are positively correlated not only between each other but also with salary.</a:t>
-            </a:r>
-          </a:p>
-          <a:p>
-            <a:pPr algn="just">
-              <a:buFont typeface="Wingdings" pitchFamily="2" charset="2"/>
-              <a:buChar char="v"/>
-            </a:pPr>
+              <a:t>More Years of experience ,high education level and high job title imply high salary income. This means that all features are positively correlated not only between each other but also with salary</a:t>
+            </a:r>
             <a:r>
               <a:rPr lang="en-US" sz="2400" dirty="0" smtClean="0">
                 <a:latin typeface="+mj-lt"/>
               </a:rPr>
-              <a:t> </a:t>
-            </a:r>
+              <a:t>.</a:t>
+            </a:r>
+            <a:endParaRPr lang="en-US" sz="2400" dirty="0" smtClean="0">
+              <a:latin typeface="+mj-lt"/>
+            </a:endParaRPr>
           </a:p>
           <a:p>
             <a:pPr>
@@ -5949,6 +6046,13 @@
   <p:clrMapOvr>
     <a:masterClrMapping/>
   </p:clrMapOvr>
+  <p:timing>
+    <p:tnLst>
+      <p:par>
+        <p:cTn id="1" dur="indefinite" restart="never" nodeType="tmRoot"/>
+      </p:par>
+    </p:tnLst>
+  </p:timing>
 </p:sld>
 </file>
 
@@ -6230,7 +6334,7 @@
         <p:spPr>
           <a:xfrm>
             <a:off x="1981200" y="2743200"/>
-            <a:ext cx="304800" cy="457200"/>
+            <a:ext cx="304800" cy="533400"/>
           </a:xfrm>
           <a:prstGeom prst="downArrow">
             <a:avLst/>
@@ -6269,7 +6373,7 @@
         </p:nvSpPr>
         <p:spPr>
           <a:xfrm>
-            <a:off x="7086600" y="2819400"/>
+            <a:off x="7086600" y="2743200"/>
             <a:ext cx="304800" cy="457200"/>
           </a:xfrm>
           <a:prstGeom prst="downArrow">
@@ -6432,6 +6536,13 @@
   <p:clrMapOvr>
     <a:masterClrMapping/>
   </p:clrMapOvr>
+  <p:timing>
+    <p:tnLst>
+      <p:par>
+        <p:cTn id="1" dur="indefinite" restart="never" nodeType="tmRoot"/>
+      </p:par>
+    </p:tnLst>
+  </p:timing>
 </p:sld>
 </file>
 
@@ -6513,6 +6624,13 @@
   <p:clrMapOvr>
     <a:masterClrMapping/>
   </p:clrMapOvr>
+  <p:timing>
+    <p:tnLst>
+      <p:par>
+        <p:cTn id="1" dur="indefinite" restart="never" nodeType="tmRoot"/>
+      </p:par>
+    </p:tnLst>
+  </p:timing>
 </p:sld>
 </file>
 
@@ -6614,6 +6732,13 @@
   <p:transition>
     <p:wipe dir="r"/>
   </p:transition>
+  <p:timing>
+    <p:tnLst>
+      <p:par>
+        <p:cTn id="1" dur="indefinite" restart="never" nodeType="tmRoot"/>
+      </p:par>
+    </p:tnLst>
+  </p:timing>
 </p:sld>
 </file>
 
@@ -6772,6 +6897,13 @@
   <p:transition>
     <p:wedge/>
   </p:transition>
+  <p:timing>
+    <p:tnLst>
+      <p:par>
+        <p:cTn id="1" dur="indefinite" restart="never" nodeType="tmRoot"/>
+      </p:par>
+    </p:tnLst>
+  </p:timing>
 </p:sld>
 </file>
 
@@ -6865,6 +6997,13 @@
   <p:clrMapOvr>
     <a:masterClrMapping/>
   </p:clrMapOvr>
+  <p:timing>
+    <p:tnLst>
+      <p:par>
+        <p:cTn id="1" dur="indefinite" restart="never" nodeType="tmRoot"/>
+      </p:par>
+    </p:tnLst>
+  </p:timing>
 </p:sld>
 </file>
 
@@ -6937,6 +7076,13 @@
   <p:clrMapOvr>
     <a:masterClrMapping/>
   </p:clrMapOvr>
+  <p:timing>
+    <p:tnLst>
+      <p:par>
+        <p:cTn id="1" dur="indefinite" restart="never" nodeType="tmRoot"/>
+      </p:par>
+    </p:tnLst>
+  </p:timing>
 </p:sld>
 </file>
 
@@ -7038,6 +7184,13 @@
   <p:clrMapOvr>
     <a:masterClrMapping/>
   </p:clrMapOvr>
+  <p:timing>
+    <p:tnLst>
+      <p:par>
+        <p:cTn id="1" dur="indefinite" restart="never" nodeType="tmRoot"/>
+      </p:par>
+    </p:tnLst>
+  </p:timing>
 </p:sld>
 </file>
 
@@ -7240,6 +7393,13 @@
   <p:clrMapOvr>
     <a:masterClrMapping/>
   </p:clrMapOvr>
+  <p:timing>
+    <p:tnLst>
+      <p:par>
+        <p:cTn id="1" dur="indefinite" restart="never" nodeType="tmRoot"/>
+      </p:par>
+    </p:tnLst>
+  </p:timing>
 </p:sld>
 </file>
 
@@ -7329,19 +7489,7 @@
             </a:pPr>
             <a:r>
               <a:rPr lang="en-US" dirty="0" smtClean="0"/>
-              <a:t>The combination of positive skewness and negative kurtosis means that while most </a:t>
-            </a:r>
-            <a:r>
-              <a:rPr lang="en-US" dirty="0" smtClean="0"/>
-              <a:t>salaries</a:t>
-            </a:r>
-            <a:r>
-              <a:rPr lang="en-US" dirty="0" smtClean="0"/>
-              <a:t> </a:t>
-            </a:r>
-            <a:r>
-              <a:rPr lang="en-US" dirty="0" smtClean="0"/>
-              <a:t>are clustered towards the lower end of the experience spectrum, the distribution does not have extreme outliers as frequently as a normal distribution might.</a:t>
+              <a:t>The combination of positive skewness and negative kurtosis means that while most salaries are clustered towards the lower end of the experience spectrum, the distribution does not have extreme outliers as frequently as a normal distribution might.</a:t>
             </a:r>
           </a:p>
           <a:p>
@@ -7354,6 +7502,13 @@
   <p:clrMapOvr>
     <a:masterClrMapping/>
   </p:clrMapOvr>
+  <p:timing>
+    <p:tnLst>
+      <p:par>
+        <p:cTn id="1" dur="indefinite" restart="never" nodeType="tmRoot"/>
+      </p:par>
+    </p:tnLst>
+  </p:timing>
 </p:sld>
 </file>
 
